--- a/translations/en-us/beginner/SoundBlock.pptx
+++ b/translations/en-us/beginner/SoundBlock.pptx
@@ -225,7 +225,7 @@
           <a:p>
             <a:fld id="{F8D9B3D7-15CB-9343-AA49-EFB5A8F33F18}" type="datetimeFigureOut">
               <a:rPr lang="en-US" smtClean="0"/>
-              <a:t>7/4/16</a:t>
+              <a:t>7/19/16</a:t>
             </a:fld>
             <a:endParaRPr lang="en-US"/>
           </a:p>
@@ -391,7 +391,7 @@
           <a:p>
             <a:fld id="{FD3EFF1E-85A1-6640-AFB9-C38833E80A84}" type="datetimeFigureOut">
               <a:rPr lang="en-US" smtClean="0"/>
-              <a:t>7/4/16</a:t>
+              <a:t>7/19/16</a:t>
             </a:fld>
             <a:endParaRPr lang="en-US"/>
           </a:p>
@@ -872,7 +872,7 @@
           <a:p>
             <a:fld id="{1C8DE491-4CE1-4C18-B873-5C95A8DB8619}" type="datetime1">
               <a:rPr lang="en-US" smtClean="0"/>
-              <a:t>7/4/16</a:t>
+              <a:t>7/19/16</a:t>
             </a:fld>
             <a:endParaRPr lang="en-US"/>
           </a:p>
@@ -1043,7 +1043,7 @@
           <a:p>
             <a:fld id="{A35B5257-04DD-4923-8B40-98AB47BDA19A}" type="datetime1">
               <a:rPr lang="en-US" smtClean="0"/>
-              <a:t>7/4/16</a:t>
+              <a:t>7/19/16</a:t>
             </a:fld>
             <a:endParaRPr lang="en-US"/>
           </a:p>
@@ -1224,7 +1224,7 @@
           <a:p>
             <a:fld id="{99FA33C1-11E1-46CC-A927-36CA22869647}" type="datetime1">
               <a:rPr lang="en-US" smtClean="0"/>
-              <a:t>7/4/16</a:t>
+              <a:t>7/19/16</a:t>
             </a:fld>
             <a:endParaRPr lang="en-US"/>
           </a:p>
@@ -1440,7 +1440,7 @@
           <a:p>
             <a:fld id="{EDE77ECB-4DD0-46F0-AC49-4F6D53CD30F9}" type="datetime1">
               <a:rPr lang="en-US" smtClean="0"/>
-              <a:t>7/4/16</a:t>
+              <a:t>7/19/16</a:t>
             </a:fld>
             <a:endParaRPr lang="en-US"/>
           </a:p>
@@ -1659,7 +1659,7 @@
           <a:noFill/>
           <a:extLst>
             <a:ext uri="{909E8E84-426E-40dd-AFC4-6F175D3DCCD1}">
-              <a14:hiddenFill xmlns:a14="http://schemas.microsoft.com/office/drawing/2010/main" xmlns="">
+              <a14:hiddenFill xmlns="" xmlns:a14="http://schemas.microsoft.com/office/drawing/2010/main">
                 <a:solidFill>
                   <a:srgbClr val="FFFFFF"/>
                 </a:solidFill>
@@ -1991,7 +1991,7 @@
           <a:p>
             <a:fld id="{149DF051-E496-463B-AF7E-8DD693E300DD}" type="datetime1">
               <a:rPr lang="en-US" smtClean="0"/>
-              <a:t>7/4/16</a:t>
+              <a:t>7/19/16</a:t>
             </a:fld>
             <a:endParaRPr lang="en-US"/>
           </a:p>
@@ -2264,7 +2264,7 @@
           <a:p>
             <a:fld id="{E439001B-70F7-4B6F-B781-07CA4952493F}" type="datetime1">
               <a:rPr lang="en-US" smtClean="0"/>
-              <a:t>7/4/16</a:t>
+              <a:t>7/19/16</a:t>
             </a:fld>
             <a:endParaRPr lang="en-US"/>
           </a:p>
@@ -2569,7 +2569,7 @@
           <a:p>
             <a:fld id="{5224DC4E-0AFC-4C36-AFA2-F42E88E7868F}" type="datetime1">
               <a:rPr lang="en-US" smtClean="0"/>
-              <a:t>7/4/16</a:t>
+              <a:t>7/19/16</a:t>
             </a:fld>
             <a:endParaRPr lang="en-US"/>
           </a:p>
@@ -3032,7 +3032,7 @@
           <a:p>
             <a:fld id="{D631978F-7DE5-4636-8A46-8FE4EBFA448F}" type="datetime1">
               <a:rPr lang="en-US" smtClean="0"/>
-              <a:t>7/4/16</a:t>
+              <a:t>7/19/16</a:t>
             </a:fld>
             <a:endParaRPr lang="en-US"/>
           </a:p>
@@ -3169,7 +3169,7 @@
           <a:p>
             <a:fld id="{DB132D63-3AA6-43EC-A4EE-3FE7DA4099C6}" type="datetime1">
               <a:rPr lang="en-US" smtClean="0"/>
-              <a:t>7/4/16</a:t>
+              <a:t>7/19/16</a:t>
             </a:fld>
             <a:endParaRPr lang="en-US"/>
           </a:p>
@@ -3283,7 +3283,7 @@
           <a:p>
             <a:fld id="{8D603395-3AD4-4F35-A102-9AEC35631044}" type="datetime1">
               <a:rPr lang="en-US" smtClean="0"/>
-              <a:t>7/4/16</a:t>
+              <a:t>7/19/16</a:t>
             </a:fld>
             <a:endParaRPr lang="en-US"/>
           </a:p>
@@ -3542,7 +3542,7 @@
           <a:p>
             <a:fld id="{9ADC16C4-5325-478C-A013-68C5313408E2}" type="datetime1">
               <a:rPr lang="en-US" smtClean="0"/>
-              <a:t>7/4/16</a:t>
+              <a:t>7/19/16</a:t>
             </a:fld>
             <a:endParaRPr lang="en-US"/>
           </a:p>
@@ -3745,7 +3745,7 @@
           <a:p>
             <a:fld id="{F37BAB6C-A77A-4888-BF12-4D9E3D42E8EE}" type="datetime1">
               <a:rPr lang="en-US" smtClean="0"/>
-              <a:t>7/4/16</a:t>
+              <a:t>7/19/16</a:t>
             </a:fld>
             <a:endParaRPr lang="en-US"/>
           </a:p>
@@ -4024,7 +4024,7 @@
           <a:p>
             <a:fld id="{EE593C14-84B6-4A95-8D0F-20B6442CD818}" type="datetime1">
               <a:rPr lang="en-US" smtClean="0"/>
-              <a:t>7/4/16</a:t>
+              <a:t>7/19/16</a:t>
             </a:fld>
             <a:endParaRPr lang="en-US"/>
           </a:p>
@@ -4294,7 +4294,7 @@
           <a:p>
             <a:fld id="{D8C9DEA9-0079-4313-B016-27265AAF8AF8}" type="datetime1">
               <a:rPr lang="en-US" smtClean="0"/>
-              <a:t>7/4/16</a:t>
+              <a:t>7/19/16</a:t>
             </a:fld>
             <a:endParaRPr lang="en-US"/>
           </a:p>
@@ -4486,7 +4486,7 @@
           <a:p>
             <a:fld id="{E4DD4F08-ECFE-49AE-849E-8DBB112A643D}" type="datetime1">
               <a:rPr lang="en-US" smtClean="0"/>
-              <a:t>7/4/16</a:t>
+              <a:t>7/19/16</a:t>
             </a:fld>
             <a:endParaRPr lang="en-US"/>
           </a:p>
@@ -4690,7 +4690,7 @@
           <a:p>
             <a:fld id="{132E8F0C-F690-984D-97A5-2A1A1F38CA45}" type="datetime1">
               <a:rPr lang="en-US" smtClean="0"/>
-              <a:t>7/4/16</a:t>
+              <a:t>7/19/16</a:t>
             </a:fld>
             <a:endParaRPr lang="en-US"/>
           </a:p>
@@ -4864,7 +4864,7 @@
           <a:p>
             <a:fld id="{204D42F3-05E2-6E4D-B22F-A4B15202BAD6}" type="datetime1">
               <a:rPr lang="en-US" smtClean="0"/>
-              <a:t>7/4/16</a:t>
+              <a:t>7/19/16</a:t>
             </a:fld>
             <a:endParaRPr lang="en-US"/>
           </a:p>
@@ -5114,7 +5114,7 @@
           <a:p>
             <a:fld id="{87E96F11-32C1-0647-8775-D1AB0BA87447}" type="datetime1">
               <a:rPr lang="en-US" smtClean="0"/>
-              <a:t>7/4/16</a:t>
+              <a:t>7/19/16</a:t>
             </a:fld>
             <a:endParaRPr lang="en-US"/>
           </a:p>
@@ -5350,7 +5350,7 @@
           <a:p>
             <a:fld id="{BF29773A-9F6B-644E-8854-3F0DE6573F35}" type="datetime1">
               <a:rPr lang="en-US" smtClean="0"/>
-              <a:t>7/4/16</a:t>
+              <a:t>7/19/16</a:t>
             </a:fld>
             <a:endParaRPr lang="en-US"/>
           </a:p>
@@ -5721,7 +5721,7 @@
           <a:p>
             <a:fld id="{5F1887CE-B5F5-C846-B1D4-89864134B8B5}" type="datetime1">
               <a:rPr lang="en-US" smtClean="0"/>
-              <a:t>7/4/16</a:t>
+              <a:t>7/19/16</a:t>
             </a:fld>
             <a:endParaRPr lang="en-US"/>
           </a:p>
@@ -5843,7 +5843,7 @@
           <a:p>
             <a:fld id="{7AEBC33B-711B-1844-9F3C-BCAB2B5BD778}" type="datetime1">
               <a:rPr lang="en-US" smtClean="0"/>
-              <a:t>7/4/16</a:t>
+              <a:t>7/19/16</a:t>
             </a:fld>
             <a:endParaRPr lang="en-US"/>
           </a:p>
@@ -5942,7 +5942,7 @@
           <a:p>
             <a:fld id="{F209EC25-A7D8-AB48-8ED4-52E52BF98EDF}" type="datetime1">
               <a:rPr lang="en-US" smtClean="0"/>
-              <a:t>7/4/16</a:t>
+              <a:t>7/19/16</a:t>
             </a:fld>
             <a:endParaRPr lang="en-US"/>
           </a:p>
@@ -6191,7 +6191,7 @@
           <a:p>
             <a:fld id="{104C66E7-2755-40D6-980C-7FD8811FCB1A}" type="datetime1">
               <a:rPr lang="en-US" smtClean="0"/>
-              <a:t>7/4/16</a:t>
+              <a:t>7/19/16</a:t>
             </a:fld>
             <a:endParaRPr lang="en-US"/>
           </a:p>
@@ -6471,7 +6471,7 @@
           <a:p>
             <a:fld id="{84CA1FE6-FF84-C74B-94A0-0BF8B206D8E1}" type="datetime1">
               <a:rPr lang="en-US" smtClean="0"/>
-              <a:t>7/4/16</a:t>
+              <a:t>7/19/16</a:t>
             </a:fld>
             <a:endParaRPr lang="en-US"/>
           </a:p>
@@ -6732,7 +6732,7 @@
           <a:p>
             <a:fld id="{51F7F84D-39EF-844E-BF6B-853328168FEF}" type="datetime1">
               <a:rPr lang="en-US" smtClean="0"/>
-              <a:t>7/4/16</a:t>
+              <a:t>7/19/16</a:t>
             </a:fld>
             <a:endParaRPr lang="en-US"/>
           </a:p>
@@ -6906,7 +6906,7 @@
           <a:p>
             <a:fld id="{DBB2536E-A1EC-6044-B344-3C42F179AAC1}" type="datetime1">
               <a:rPr lang="en-US" smtClean="0"/>
-              <a:t>7/4/16</a:t>
+              <a:t>7/19/16</a:t>
             </a:fld>
             <a:endParaRPr lang="en-US"/>
           </a:p>
@@ -7090,7 +7090,7 @@
           <a:p>
             <a:fld id="{25AAE7DB-ADC3-2445-B7E9-F3B6CE7C531F}" type="datetime1">
               <a:rPr lang="en-US" smtClean="0"/>
-              <a:t>7/4/16</a:t>
+              <a:t>7/19/16</a:t>
             </a:fld>
             <a:endParaRPr lang="en-US"/>
           </a:p>
@@ -7323,7 +7323,7 @@
           <a:p>
             <a:fld id="{84695BCC-3279-4B7B-8535-785589D6CBE2}" type="datetime1">
               <a:rPr lang="en-US" smtClean="0"/>
-              <a:t>7/4/16</a:t>
+              <a:t>7/19/16</a:t>
             </a:fld>
             <a:endParaRPr lang="en-US"/>
           </a:p>
@@ -7690,7 +7690,7 @@
           <a:p>
             <a:fld id="{170AE254-64AE-435B-9678-F4351C6CE53D}" type="datetime1">
               <a:rPr lang="en-US" smtClean="0"/>
-              <a:t>7/4/16</a:t>
+              <a:t>7/19/16</a:t>
             </a:fld>
             <a:endParaRPr lang="en-US"/>
           </a:p>
@@ -7810,7 +7810,7 @@
           <a:p>
             <a:fld id="{4926C187-B37B-4CCE-8CC5-E461528B1EDE}" type="datetime1">
               <a:rPr lang="en-US" smtClean="0"/>
-              <a:t>7/4/16</a:t>
+              <a:t>7/19/16</a:t>
             </a:fld>
             <a:endParaRPr lang="en-US"/>
           </a:p>
@@ -7908,7 +7908,7 @@
           <a:p>
             <a:fld id="{BD17A736-D695-4511-B675-B8D47E331C1F}" type="datetime1">
               <a:rPr lang="en-US" smtClean="0"/>
-              <a:t>7/4/16</a:t>
+              <a:t>7/19/16</a:t>
             </a:fld>
             <a:endParaRPr lang="en-US"/>
           </a:p>
@@ -8186,7 +8186,7 @@
           <a:p>
             <a:fld id="{57E699FB-E814-4600-B465-9434E7C20A38}" type="datetime1">
               <a:rPr lang="en-US" smtClean="0"/>
-              <a:t>7/4/16</a:t>
+              <a:t>7/19/16</a:t>
             </a:fld>
             <a:endParaRPr lang="en-US"/>
           </a:p>
@@ -8441,7 +8441,7 @@
           <a:p>
             <a:fld id="{B2E56F95-711E-4792-9F1F-9B3CEC236A26}" type="datetime1">
               <a:rPr lang="en-US" smtClean="0"/>
-              <a:t>7/4/16</a:t>
+              <a:t>7/19/16</a:t>
             </a:fld>
             <a:endParaRPr lang="en-US"/>
           </a:p>
@@ -8655,7 +8655,7 @@
           <a:p>
             <a:fld id="{01F074C0-B2B1-4643-BC58-35FEFF3BFC1A}" type="datetime1">
               <a:rPr lang="en-US" smtClean="0"/>
-              <a:t>7/4/16</a:t>
+              <a:t>7/19/16</a:t>
             </a:fld>
             <a:endParaRPr lang="en-US"/>
           </a:p>
@@ -9197,7 +9197,7 @@
           <a:p>
             <a:fld id="{5F027750-CB8D-4D21-929E-3EE4011D33FC}" type="datetime1">
               <a:rPr lang="en-US" smtClean="0"/>
-              <a:t>7/4/16</a:t>
+              <a:t>7/19/16</a:t>
             </a:fld>
             <a:endParaRPr lang="en-US"/>
           </a:p>
@@ -9962,7 +9962,7 @@
           <a:p>
             <a:fld id="{D602BB09-AD7A-F342-B78F-330E2C5B2E11}" type="datetime1">
               <a:rPr lang="en-US" smtClean="0"/>
-              <a:t>7/4/16</a:t>
+              <a:t>7/19/16</a:t>
             </a:fld>
             <a:endParaRPr lang="en-US"/>
           </a:p>
@@ -10424,6 +10424,35 @@
           </a:p>
         </p:txBody>
       </p:sp>
+      <p:pic>
+        <p:nvPicPr>
+          <p:cNvPr id="4" name="Picture 3"/>
+          <p:cNvPicPr>
+            <a:picLocks noChangeAspect="1"/>
+          </p:cNvPicPr>
+          <p:nvPr/>
+        </p:nvPicPr>
+        <p:blipFill rotWithShape="1">
+          <a:blip r:embed="rId2">
+            <a:extLst>
+              <a:ext uri="{28A0092B-C50C-407E-A947-70E740481C1C}">
+                <a14:useLocalDpi xmlns:a14="http://schemas.microsoft.com/office/drawing/2010/main" val="0"/>
+              </a:ext>
+            </a:extLst>
+          </a:blip>
+          <a:srcRect l="4523" t="17619" r="3095" b="25000"/>
+          <a:stretch/>
+        </p:blipFill>
+        <p:spPr>
+          <a:xfrm>
+            <a:off x="3711108" y="4592409"/>
+            <a:ext cx="1700816" cy="1056435"/>
+          </a:xfrm>
+          <a:prstGeom prst="rect">
+            <a:avLst/>
+          </a:prstGeom>
+        </p:spPr>
+      </p:pic>
     </p:spTree>
     <p:extLst>
       <p:ext uri="{BB962C8B-B14F-4D97-AF65-F5344CB8AC3E}">
@@ -11304,7 +11333,7 @@
           <a:effectLst/>
           <a:extLst>
             <a:ext uri="{91240B29-F687-4f45-9708-019B960494DF}">
-              <a14:hiddenLine xmlns="" xmlns:a14="http://schemas.microsoft.com/office/drawing/2010/main" w="9525">
+              <a14:hiddenLine xmlns:a14="http://schemas.microsoft.com/office/drawing/2010/main" xmlns="" w="9525">
                 <a:solidFill>
                   <a:schemeClr val="tx1"/>
                 </a:solidFill>
@@ -11314,7 +11343,7 @@
               </a14:hiddenLine>
             </a:ext>
             <a:ext uri="{AF507438-7753-43e0-B8FC-AC1667EBCBE1}">
-              <a14:hiddenEffects xmlns="" xmlns:a14="http://schemas.microsoft.com/office/drawing/2010/main">
+              <a14:hiddenEffects xmlns:a14="http://schemas.microsoft.com/office/drawing/2010/main" xmlns="">
                 <a:effectLst>
                   <a:outerShdw dist="35921" dir="2700000" algn="ctr" rotWithShape="0">
                     <a:schemeClr val="bg2"/>
@@ -11667,7 +11696,7 @@
           <a:noFill/>
           <a:extLst>
             <a:ext uri="{909E8E84-426E-40dd-AFC4-6F175D3DCCD1}">
-              <a14:hiddenFill xmlns="" xmlns:a14="http://schemas.microsoft.com/office/drawing/2010/main">
+              <a14:hiddenFill xmlns:a14="http://schemas.microsoft.com/office/drawing/2010/main" xmlns="">
                 <a:solidFill>
                   <a:srgbClr val="FFFFFF"/>
                 </a:solidFill>
